--- a/Figures/Fig5_A.pptx
+++ b/Figures/Fig5_A.pptx
@@ -197,7 +197,7 @@
           <a:p>
             <a:fld id="{261CEF9C-3B0A-AB49-B9D7-AECD695D5965}" type="datetimeFigureOut">
               <a:rPr lang="en-US" smtClean="0"/>
-              <a:t>4/27/20</a:t>
+              <a:t>4/27/2020</a:t>
             </a:fld>
             <a:endParaRPr lang="en-US"/>
           </a:p>
@@ -695,7 +695,7 @@
           <a:p>
             <a:fld id="{B4AB70F6-CC7D-E841-B3D0-31DD80ED8FB9}" type="datetimeFigureOut">
               <a:rPr lang="en-US" smtClean="0"/>
-              <a:t>4/27/20</a:t>
+              <a:t>4/27/2020</a:t>
             </a:fld>
             <a:endParaRPr lang="en-US"/>
           </a:p>
@@ -893,7 +893,7 @@
           <a:p>
             <a:fld id="{B4AB70F6-CC7D-E841-B3D0-31DD80ED8FB9}" type="datetimeFigureOut">
               <a:rPr lang="en-US" smtClean="0"/>
-              <a:t>4/27/20</a:t>
+              <a:t>4/27/2020</a:t>
             </a:fld>
             <a:endParaRPr lang="en-US"/>
           </a:p>
@@ -1101,7 +1101,7 @@
           <a:p>
             <a:fld id="{B4AB70F6-CC7D-E841-B3D0-31DD80ED8FB9}" type="datetimeFigureOut">
               <a:rPr lang="en-US" smtClean="0"/>
-              <a:t>4/27/20</a:t>
+              <a:t>4/27/2020</a:t>
             </a:fld>
             <a:endParaRPr lang="en-US"/>
           </a:p>
@@ -1299,7 +1299,7 @@
           <a:p>
             <a:fld id="{B4AB70F6-CC7D-E841-B3D0-31DD80ED8FB9}" type="datetimeFigureOut">
               <a:rPr lang="en-US" smtClean="0"/>
-              <a:t>4/27/20</a:t>
+              <a:t>4/27/2020</a:t>
             </a:fld>
             <a:endParaRPr lang="en-US"/>
           </a:p>
@@ -1574,7 +1574,7 @@
           <a:p>
             <a:fld id="{B4AB70F6-CC7D-E841-B3D0-31DD80ED8FB9}" type="datetimeFigureOut">
               <a:rPr lang="en-US" smtClean="0"/>
-              <a:t>4/27/20</a:t>
+              <a:t>4/27/2020</a:t>
             </a:fld>
             <a:endParaRPr lang="en-US"/>
           </a:p>
@@ -1839,7 +1839,7 @@
           <a:p>
             <a:fld id="{B4AB70F6-CC7D-E841-B3D0-31DD80ED8FB9}" type="datetimeFigureOut">
               <a:rPr lang="en-US" smtClean="0"/>
-              <a:t>4/27/20</a:t>
+              <a:t>4/27/2020</a:t>
             </a:fld>
             <a:endParaRPr lang="en-US"/>
           </a:p>
@@ -2251,7 +2251,7 @@
           <a:p>
             <a:fld id="{B4AB70F6-CC7D-E841-B3D0-31DD80ED8FB9}" type="datetimeFigureOut">
               <a:rPr lang="en-US" smtClean="0"/>
-              <a:t>4/27/20</a:t>
+              <a:t>4/27/2020</a:t>
             </a:fld>
             <a:endParaRPr lang="en-US"/>
           </a:p>
@@ -2392,7 +2392,7 @@
           <a:p>
             <a:fld id="{B4AB70F6-CC7D-E841-B3D0-31DD80ED8FB9}" type="datetimeFigureOut">
               <a:rPr lang="en-US" smtClean="0"/>
-              <a:t>4/27/20</a:t>
+              <a:t>4/27/2020</a:t>
             </a:fld>
             <a:endParaRPr lang="en-US"/>
           </a:p>
@@ -2505,7 +2505,7 @@
           <a:p>
             <a:fld id="{B4AB70F6-CC7D-E841-B3D0-31DD80ED8FB9}" type="datetimeFigureOut">
               <a:rPr lang="en-US" smtClean="0"/>
-              <a:t>4/27/20</a:t>
+              <a:t>4/27/2020</a:t>
             </a:fld>
             <a:endParaRPr lang="en-US"/>
           </a:p>
@@ -2816,7 +2816,7 @@
           <a:p>
             <a:fld id="{B4AB70F6-CC7D-E841-B3D0-31DD80ED8FB9}" type="datetimeFigureOut">
               <a:rPr lang="en-US" smtClean="0"/>
-              <a:t>4/27/20</a:t>
+              <a:t>4/27/2020</a:t>
             </a:fld>
             <a:endParaRPr lang="en-US"/>
           </a:p>
@@ -3104,7 +3104,7 @@
           <a:p>
             <a:fld id="{B4AB70F6-CC7D-E841-B3D0-31DD80ED8FB9}" type="datetimeFigureOut">
               <a:rPr lang="en-US" smtClean="0"/>
-              <a:t>4/27/20</a:t>
+              <a:t>4/27/2020</a:t>
             </a:fld>
             <a:endParaRPr lang="en-US"/>
           </a:p>
@@ -3345,7 +3345,7 @@
           <a:p>
             <a:fld id="{B4AB70F6-CC7D-E841-B3D0-31DD80ED8FB9}" type="datetimeFigureOut">
               <a:rPr lang="en-US" smtClean="0"/>
-              <a:t>4/27/20</a:t>
+              <a:t>4/27/2020</a:t>
             </a:fld>
             <a:endParaRPr lang="en-US"/>
           </a:p>
@@ -4126,6 +4126,86 @@
           </p:spPr>
         </p:pic>
       </p:grpSp>
+      <p:sp>
+        <p:nvSpPr>
+          <p:cNvPr id="13" name="TextBox 12">
+            <a:extLst>
+              <a:ext uri="{FF2B5EF4-FFF2-40B4-BE49-F238E27FC236}">
+                <a16:creationId xmlns:a16="http://schemas.microsoft.com/office/drawing/2014/main" id="{1E8112BE-3BFE-C044-8FEB-BC3D9D16F551}"/>
+              </a:ext>
+            </a:extLst>
+          </p:cNvPr>
+          <p:cNvSpPr txBox="1"/>
+          <p:nvPr/>
+        </p:nvSpPr>
+        <p:spPr>
+          <a:xfrm>
+            <a:off x="10309664" y="636260"/>
+            <a:ext cx="1056700" cy="369332"/>
+          </a:xfrm>
+          <a:prstGeom prst="rect">
+            <a:avLst/>
+          </a:prstGeom>
+          <a:noFill/>
+        </p:spPr>
+        <p:txBody>
+          <a:bodyPr wrap="none" rtlCol="0">
+            <a:spAutoFit/>
+          </a:bodyPr>
+          <a:lstStyle/>
+          <a:p>
+            <a:r>
+              <a:rPr lang="en-US" dirty="0" smtClean="0">
+                <a:latin typeface="Times" pitchFamily="2" charset="0"/>
+              </a:rPr>
+              <a:t>BW/SVL</a:t>
+            </a:r>
+            <a:endParaRPr lang="en-US" dirty="0">
+              <a:latin typeface="Times" pitchFamily="2" charset="0"/>
+            </a:endParaRPr>
+          </a:p>
+        </p:txBody>
+      </p:sp>
+      <p:sp>
+        <p:nvSpPr>
+          <p:cNvPr id="14" name="TextBox 13">
+            <a:extLst>
+              <a:ext uri="{FF2B5EF4-FFF2-40B4-BE49-F238E27FC236}">
+                <a16:creationId xmlns:a16="http://schemas.microsoft.com/office/drawing/2014/main" id="{1E8112BE-3BFE-C044-8FEB-BC3D9D16F551}"/>
+              </a:ext>
+            </a:extLst>
+          </p:cNvPr>
+          <p:cNvSpPr txBox="1"/>
+          <p:nvPr/>
+        </p:nvSpPr>
+        <p:spPr>
+          <a:xfrm>
+            <a:off x="10393484" y="3801345"/>
+            <a:ext cx="710451" cy="369332"/>
+          </a:xfrm>
+          <a:prstGeom prst="rect">
+            <a:avLst/>
+          </a:prstGeom>
+          <a:noFill/>
+        </p:spPr>
+        <p:txBody>
+          <a:bodyPr wrap="none" rtlCol="0">
+            <a:spAutoFit/>
+          </a:bodyPr>
+          <a:lstStyle/>
+          <a:p>
+            <a:r>
+              <a:rPr lang="en-US" dirty="0" smtClean="0">
+                <a:latin typeface="Times" pitchFamily="2" charset="0"/>
+              </a:rPr>
+              <a:t>SA:V</a:t>
+            </a:r>
+            <a:endParaRPr lang="en-US" dirty="0">
+              <a:latin typeface="Times" pitchFamily="2" charset="0"/>
+            </a:endParaRPr>
+          </a:p>
+        </p:txBody>
+      </p:sp>
     </p:spTree>
     <p:extLst>
       <p:ext uri="{BB962C8B-B14F-4D97-AF65-F5344CB8AC3E}">

--- a/Figures/Fig5_A.pptx
+++ b/Figures/Fig5_A.pptx
@@ -197,7 +197,7 @@
           <a:p>
             <a:fld id="{261CEF9C-3B0A-AB49-B9D7-AECD695D5965}" type="datetimeFigureOut">
               <a:rPr lang="en-US" smtClean="0"/>
-              <a:t>4/27/2020</a:t>
+              <a:t>4/28/20</a:t>
             </a:fld>
             <a:endParaRPr lang="en-US"/>
           </a:p>
@@ -695,7 +695,7 @@
           <a:p>
             <a:fld id="{B4AB70F6-CC7D-E841-B3D0-31DD80ED8FB9}" type="datetimeFigureOut">
               <a:rPr lang="en-US" smtClean="0"/>
-              <a:t>4/27/2020</a:t>
+              <a:t>4/28/20</a:t>
             </a:fld>
             <a:endParaRPr lang="en-US"/>
           </a:p>
@@ -893,7 +893,7 @@
           <a:p>
             <a:fld id="{B4AB70F6-CC7D-E841-B3D0-31DD80ED8FB9}" type="datetimeFigureOut">
               <a:rPr lang="en-US" smtClean="0"/>
-              <a:t>4/27/2020</a:t>
+              <a:t>4/28/20</a:t>
             </a:fld>
             <a:endParaRPr lang="en-US"/>
           </a:p>
@@ -1101,7 +1101,7 @@
           <a:p>
             <a:fld id="{B4AB70F6-CC7D-E841-B3D0-31DD80ED8FB9}" type="datetimeFigureOut">
               <a:rPr lang="en-US" smtClean="0"/>
-              <a:t>4/27/2020</a:t>
+              <a:t>4/28/20</a:t>
             </a:fld>
             <a:endParaRPr lang="en-US"/>
           </a:p>
@@ -1299,7 +1299,7 @@
           <a:p>
             <a:fld id="{B4AB70F6-CC7D-E841-B3D0-31DD80ED8FB9}" type="datetimeFigureOut">
               <a:rPr lang="en-US" smtClean="0"/>
-              <a:t>4/27/2020</a:t>
+              <a:t>4/28/20</a:t>
             </a:fld>
             <a:endParaRPr lang="en-US"/>
           </a:p>
@@ -1574,7 +1574,7 @@
           <a:p>
             <a:fld id="{B4AB70F6-CC7D-E841-B3D0-31DD80ED8FB9}" type="datetimeFigureOut">
               <a:rPr lang="en-US" smtClean="0"/>
-              <a:t>4/27/2020</a:t>
+              <a:t>4/28/20</a:t>
             </a:fld>
             <a:endParaRPr lang="en-US"/>
           </a:p>
@@ -1839,7 +1839,7 @@
           <a:p>
             <a:fld id="{B4AB70F6-CC7D-E841-B3D0-31DD80ED8FB9}" type="datetimeFigureOut">
               <a:rPr lang="en-US" smtClean="0"/>
-              <a:t>4/27/2020</a:t>
+              <a:t>4/28/20</a:t>
             </a:fld>
             <a:endParaRPr lang="en-US"/>
           </a:p>
@@ -2251,7 +2251,7 @@
           <a:p>
             <a:fld id="{B4AB70F6-CC7D-E841-B3D0-31DD80ED8FB9}" type="datetimeFigureOut">
               <a:rPr lang="en-US" smtClean="0"/>
-              <a:t>4/27/2020</a:t>
+              <a:t>4/28/20</a:t>
             </a:fld>
             <a:endParaRPr lang="en-US"/>
           </a:p>
@@ -2392,7 +2392,7 @@
           <a:p>
             <a:fld id="{B4AB70F6-CC7D-E841-B3D0-31DD80ED8FB9}" type="datetimeFigureOut">
               <a:rPr lang="en-US" smtClean="0"/>
-              <a:t>4/27/2020</a:t>
+              <a:t>4/28/20</a:t>
             </a:fld>
             <a:endParaRPr lang="en-US"/>
           </a:p>
@@ -2505,7 +2505,7 @@
           <a:p>
             <a:fld id="{B4AB70F6-CC7D-E841-B3D0-31DD80ED8FB9}" type="datetimeFigureOut">
               <a:rPr lang="en-US" smtClean="0"/>
-              <a:t>4/27/2020</a:t>
+              <a:t>4/28/20</a:t>
             </a:fld>
             <a:endParaRPr lang="en-US"/>
           </a:p>
@@ -2816,7 +2816,7 @@
           <a:p>
             <a:fld id="{B4AB70F6-CC7D-E841-B3D0-31DD80ED8FB9}" type="datetimeFigureOut">
               <a:rPr lang="en-US" smtClean="0"/>
-              <a:t>4/27/2020</a:t>
+              <a:t>4/28/20</a:t>
             </a:fld>
             <a:endParaRPr lang="en-US"/>
           </a:p>
@@ -3104,7 +3104,7 @@
           <a:p>
             <a:fld id="{B4AB70F6-CC7D-E841-B3D0-31DD80ED8FB9}" type="datetimeFigureOut">
               <a:rPr lang="en-US" smtClean="0"/>
-              <a:t>4/27/2020</a:t>
+              <a:t>4/28/20</a:t>
             </a:fld>
             <a:endParaRPr lang="en-US"/>
           </a:p>
@@ -3345,7 +3345,7 @@
           <a:p>
             <a:fld id="{B4AB70F6-CC7D-E841-B3D0-31DD80ED8FB9}" type="datetimeFigureOut">
               <a:rPr lang="en-US" smtClean="0"/>
-              <a:t>4/27/2020</a:t>
+              <a:t>4/28/20</a:t>
             </a:fld>
             <a:endParaRPr lang="en-US"/>
           </a:p>
@@ -3771,15 +3771,17 @@
               </a:ext>
             </a:extLst>
           </p:cNvPr>
-          <p:cNvGrpSpPr/>
+          <p:cNvGrpSpPr>
+            <a:grpSpLocks noChangeAspect="1"/>
+          </p:cNvGrpSpPr>
           <p:nvPr/>
         </p:nvGrpSpPr>
         <p:grpSpPr>
           <a:xfrm>
-            <a:off x="88900" y="-190500"/>
-            <a:ext cx="9779000" cy="2154962"/>
+            <a:off x="162562" y="0"/>
+            <a:ext cx="7355850" cy="1586115"/>
             <a:chOff x="1176519" y="3428999"/>
-            <a:chExt cx="9779000" cy="2154962"/>
+            <a:chExt cx="9779000" cy="2108610"/>
           </a:xfrm>
         </p:grpSpPr>
         <p:pic>
@@ -3925,8 +3927,8 @@
           </p:nvSpPr>
           <p:spPr>
             <a:xfrm>
-              <a:off x="3284977" y="5214629"/>
-              <a:ext cx="620683" cy="369332"/>
+              <a:off x="3284977" y="5128445"/>
+              <a:ext cx="695153" cy="409164"/>
             </a:xfrm>
             <a:prstGeom prst="rect">
               <a:avLst/>
@@ -3940,7 +3942,7 @@
             <a:lstStyle/>
             <a:p>
               <a:r>
-                <a:rPr lang="en-US" dirty="0">
+                <a:rPr lang="en-US" sz="1400" dirty="0">
                   <a:latin typeface="Times" pitchFamily="2" charset="0"/>
                 </a:rPr>
                 <a:t>SVL</a:t>
@@ -3962,8 +3964,8 @@
           </p:nvSpPr>
           <p:spPr>
             <a:xfrm>
-              <a:off x="3194351" y="4248802"/>
-              <a:ext cx="556563" cy="369332"/>
+              <a:off x="3151258" y="4220075"/>
+              <a:ext cx="631221" cy="409164"/>
             </a:xfrm>
             <a:prstGeom prst="rect">
               <a:avLst/>
@@ -3977,7 +3979,7 @@
             <a:lstStyle/>
             <a:p>
               <a:r>
-                <a:rPr lang="en-US" dirty="0">
+                <a:rPr lang="en-US" sz="1400" dirty="0">
                   <a:latin typeface="Times" pitchFamily="2" charset="0"/>
                 </a:rPr>
                 <a:t>BW</a:t>
@@ -3995,13 +3997,15 @@
               </a:ext>
             </a:extLst>
           </p:cNvPr>
-          <p:cNvGrpSpPr/>
+          <p:cNvGrpSpPr>
+            <a:grpSpLocks noChangeAspect="1"/>
+          </p:cNvGrpSpPr>
           <p:nvPr/>
         </p:nvGrpSpPr>
         <p:grpSpPr>
           <a:xfrm>
-            <a:off x="270972" y="1761969"/>
-            <a:ext cx="10038692" cy="2660731"/>
+            <a:off x="355777" y="1330613"/>
+            <a:ext cx="7162635" cy="1898439"/>
             <a:chOff x="1251470" y="569644"/>
             <a:chExt cx="10038692" cy="2660731"/>
           </a:xfrm>
@@ -4140,7 +4144,7 @@
         </p:nvSpPr>
         <p:spPr>
           <a:xfrm>
-            <a:off x="10309664" y="636260"/>
+            <a:off x="6619705" y="845230"/>
             <a:ext cx="1056700" cy="369332"/>
           </a:xfrm>
           <a:prstGeom prst="rect">
@@ -4155,14 +4159,11 @@
           <a:lstStyle/>
           <a:p>
             <a:r>
-              <a:rPr lang="en-US" dirty="0" smtClean="0">
+              <a:rPr lang="en-US" dirty="0">
                 <a:latin typeface="Times" pitchFamily="2" charset="0"/>
               </a:rPr>
               <a:t>BW/SVL</a:t>
             </a:r>
-            <a:endParaRPr lang="en-US" dirty="0">
-              <a:latin typeface="Times" pitchFamily="2" charset="0"/>
-            </a:endParaRPr>
           </a:p>
         </p:txBody>
       </p:sp>
@@ -4180,7 +4181,7 @@
         </p:nvSpPr>
         <p:spPr>
           <a:xfrm>
-            <a:off x="10393484" y="3801345"/>
+            <a:off x="6977895" y="2062154"/>
             <a:ext cx="710451" cy="369332"/>
           </a:xfrm>
           <a:prstGeom prst="rect">
@@ -4195,17 +4196,301 @@
           <a:lstStyle/>
           <a:p>
             <a:r>
-              <a:rPr lang="en-US" dirty="0" smtClean="0">
+              <a:rPr lang="en-US" dirty="0">
                 <a:latin typeface="Times" pitchFamily="2" charset="0"/>
               </a:rPr>
               <a:t>SA:V</a:t>
             </a:r>
-            <a:endParaRPr lang="en-US" dirty="0">
-              <a:latin typeface="Times" pitchFamily="2" charset="0"/>
-            </a:endParaRPr>
-          </a:p>
-        </p:txBody>
-      </p:sp>
+          </a:p>
+        </p:txBody>
+      </p:sp>
+      <p:pic>
+        <p:nvPicPr>
+          <p:cNvPr id="5" name="Picture 4">
+            <a:extLst>
+              <a:ext uri="{FF2B5EF4-FFF2-40B4-BE49-F238E27FC236}">
+                <a16:creationId xmlns:a16="http://schemas.microsoft.com/office/drawing/2014/main" id="{97E954AA-71A9-814E-AC9B-5F9077BCCD1F}"/>
+              </a:ext>
+            </a:extLst>
+          </p:cNvPr>
+          <p:cNvPicPr>
+            <a:picLocks noChangeAspect="1"/>
+          </p:cNvPicPr>
+          <p:nvPr/>
+        </p:nvPicPr>
+        <p:blipFill rotWithShape="1">
+          <a:blip r:embed="rId5"/>
+          <a:srcRect t="1" b="1092"/>
+          <a:stretch/>
+        </p:blipFill>
+        <p:spPr>
+          <a:xfrm>
+            <a:off x="137848" y="3089622"/>
+            <a:ext cx="7620000" cy="3768378"/>
+          </a:xfrm>
+          <a:prstGeom prst="rect">
+            <a:avLst/>
+          </a:prstGeom>
+        </p:spPr>
+      </p:pic>
+      <p:sp>
+        <p:nvSpPr>
+          <p:cNvPr id="6" name="Rectangle 5">
+            <a:extLst>
+              <a:ext uri="{FF2B5EF4-FFF2-40B4-BE49-F238E27FC236}">
+                <a16:creationId xmlns:a16="http://schemas.microsoft.com/office/drawing/2014/main" id="{C5A716BC-CF87-F34E-9797-04284EF77ACF}"/>
+              </a:ext>
+            </a:extLst>
+          </p:cNvPr>
+          <p:cNvSpPr/>
+          <p:nvPr/>
+        </p:nvSpPr>
+        <p:spPr>
+          <a:xfrm>
+            <a:off x="73662" y="49426"/>
+            <a:ext cx="7684186" cy="3238860"/>
+          </a:xfrm>
+          <a:prstGeom prst="rect">
+            <a:avLst/>
+          </a:prstGeom>
+          <a:noFill/>
+          <a:ln w="19050">
+            <a:solidFill>
+              <a:schemeClr val="tx1"/>
+            </a:solidFill>
+          </a:ln>
+        </p:spPr>
+        <p:style>
+          <a:lnRef idx="2">
+            <a:schemeClr val="accent1">
+              <a:shade val="50000"/>
+            </a:schemeClr>
+          </a:lnRef>
+          <a:fillRef idx="1">
+            <a:schemeClr val="accent1"/>
+          </a:fillRef>
+          <a:effectRef idx="0">
+            <a:schemeClr val="accent1"/>
+          </a:effectRef>
+          <a:fontRef idx="minor">
+            <a:schemeClr val="lt1"/>
+          </a:fontRef>
+        </p:style>
+        <p:txBody>
+          <a:bodyPr rtlCol="0" anchor="ctr"/>
+          <a:lstStyle/>
+          <a:p>
+            <a:pPr algn="ctr"/>
+            <a:endParaRPr lang="en-US"/>
+          </a:p>
+        </p:txBody>
+      </p:sp>
+      <p:sp>
+        <p:nvSpPr>
+          <p:cNvPr id="25" name="Rectangle 24">
+            <a:extLst>
+              <a:ext uri="{FF2B5EF4-FFF2-40B4-BE49-F238E27FC236}">
+                <a16:creationId xmlns:a16="http://schemas.microsoft.com/office/drawing/2014/main" id="{1F31CF13-771B-A945-A62F-47C6FF8F1136}"/>
+              </a:ext>
+            </a:extLst>
+          </p:cNvPr>
+          <p:cNvSpPr/>
+          <p:nvPr/>
+        </p:nvSpPr>
+        <p:spPr>
+          <a:xfrm>
+            <a:off x="73662" y="3286618"/>
+            <a:ext cx="7684186" cy="3521956"/>
+          </a:xfrm>
+          <a:prstGeom prst="rect">
+            <a:avLst/>
+          </a:prstGeom>
+          <a:noFill/>
+          <a:ln w="19050">
+            <a:solidFill>
+              <a:schemeClr val="tx1"/>
+            </a:solidFill>
+          </a:ln>
+        </p:spPr>
+        <p:style>
+          <a:lnRef idx="2">
+            <a:schemeClr val="accent1">
+              <a:shade val="50000"/>
+            </a:schemeClr>
+          </a:lnRef>
+          <a:fillRef idx="1">
+            <a:schemeClr val="accent1"/>
+          </a:fillRef>
+          <a:effectRef idx="0">
+            <a:schemeClr val="accent1"/>
+          </a:effectRef>
+          <a:fontRef idx="minor">
+            <a:schemeClr val="lt1"/>
+          </a:fontRef>
+        </p:style>
+        <p:txBody>
+          <a:bodyPr rtlCol="0" anchor="ctr"/>
+          <a:lstStyle/>
+          <a:p>
+            <a:pPr algn="ctr"/>
+            <a:endParaRPr lang="en-US"/>
+          </a:p>
+        </p:txBody>
+      </p:sp>
+      <p:sp>
+        <p:nvSpPr>
+          <p:cNvPr id="26" name="TextBox 25">
+            <a:extLst>
+              <a:ext uri="{FF2B5EF4-FFF2-40B4-BE49-F238E27FC236}">
+                <a16:creationId xmlns:a16="http://schemas.microsoft.com/office/drawing/2014/main" id="{D7657698-75CB-B945-BA4E-BBD68E8BA7D5}"/>
+              </a:ext>
+            </a:extLst>
+          </p:cNvPr>
+          <p:cNvSpPr txBox="1"/>
+          <p:nvPr/>
+        </p:nvSpPr>
+        <p:spPr>
+          <a:xfrm>
+            <a:off x="73662" y="67933"/>
+            <a:ext cx="407484" cy="461665"/>
+          </a:xfrm>
+          <a:prstGeom prst="rect">
+            <a:avLst/>
+          </a:prstGeom>
+          <a:noFill/>
+        </p:spPr>
+        <p:txBody>
+          <a:bodyPr wrap="none" rtlCol="0">
+            <a:spAutoFit/>
+          </a:bodyPr>
+          <a:lstStyle/>
+          <a:p>
+            <a:r>
+              <a:rPr lang="en-US" sz="2400" dirty="0">
+                <a:latin typeface="Times" pitchFamily="2" charset="0"/>
+              </a:rPr>
+              <a:t>A</a:t>
+            </a:r>
+          </a:p>
+        </p:txBody>
+      </p:sp>
+      <p:sp>
+        <p:nvSpPr>
+          <p:cNvPr id="27" name="TextBox 26">
+            <a:extLst>
+              <a:ext uri="{FF2B5EF4-FFF2-40B4-BE49-F238E27FC236}">
+                <a16:creationId xmlns:a16="http://schemas.microsoft.com/office/drawing/2014/main" id="{32D83BBE-68E3-5D4C-B65D-77A7D20CAC87}"/>
+              </a:ext>
+            </a:extLst>
+          </p:cNvPr>
+          <p:cNvSpPr txBox="1"/>
+          <p:nvPr/>
+        </p:nvSpPr>
+        <p:spPr>
+          <a:xfrm>
+            <a:off x="73662" y="3306793"/>
+            <a:ext cx="389850" cy="461665"/>
+          </a:xfrm>
+          <a:prstGeom prst="rect">
+            <a:avLst/>
+          </a:prstGeom>
+          <a:noFill/>
+        </p:spPr>
+        <p:txBody>
+          <a:bodyPr wrap="none" rtlCol="0">
+            <a:spAutoFit/>
+          </a:bodyPr>
+          <a:lstStyle/>
+          <a:p>
+            <a:r>
+              <a:rPr lang="en-US" sz="2400" dirty="0">
+                <a:latin typeface="Times" pitchFamily="2" charset="0"/>
+              </a:rPr>
+              <a:t>B</a:t>
+            </a:r>
+          </a:p>
+        </p:txBody>
+      </p:sp>
+      <p:sp>
+        <p:nvSpPr>
+          <p:cNvPr id="28" name="TextBox 27">
+            <a:extLst>
+              <a:ext uri="{FF2B5EF4-FFF2-40B4-BE49-F238E27FC236}">
+                <a16:creationId xmlns:a16="http://schemas.microsoft.com/office/drawing/2014/main" id="{8C853444-C163-BF49-A62D-A9410D5506BA}"/>
+              </a:ext>
+            </a:extLst>
+          </p:cNvPr>
+          <p:cNvSpPr txBox="1"/>
+          <p:nvPr/>
+        </p:nvSpPr>
+        <p:spPr>
+          <a:xfrm>
+            <a:off x="3858501" y="3306792"/>
+            <a:ext cx="389850" cy="461665"/>
+          </a:xfrm>
+          <a:prstGeom prst="rect">
+            <a:avLst/>
+          </a:prstGeom>
+          <a:noFill/>
+        </p:spPr>
+        <p:txBody>
+          <a:bodyPr wrap="none" rtlCol="0">
+            <a:spAutoFit/>
+          </a:bodyPr>
+          <a:lstStyle/>
+          <a:p>
+            <a:r>
+              <a:rPr lang="en-US" sz="2400" dirty="0">
+                <a:latin typeface="Times" pitchFamily="2" charset="0"/>
+              </a:rPr>
+              <a:t>C</a:t>
+            </a:r>
+          </a:p>
+        </p:txBody>
+      </p:sp>
+      <p:cxnSp>
+        <p:nvCxnSpPr>
+          <p:cNvPr id="17" name="Straight Connector 16">
+            <a:extLst>
+              <a:ext uri="{FF2B5EF4-FFF2-40B4-BE49-F238E27FC236}">
+                <a16:creationId xmlns:a16="http://schemas.microsoft.com/office/drawing/2014/main" id="{56CFCA52-8889-0446-9611-360B1EA68422}"/>
+              </a:ext>
+            </a:extLst>
+          </p:cNvPr>
+          <p:cNvCxnSpPr>
+            <a:cxnSpLocks/>
+          </p:cNvCxnSpPr>
+          <p:nvPr/>
+        </p:nvCxnSpPr>
+        <p:spPr>
+          <a:xfrm>
+            <a:off x="3858501" y="3292724"/>
+            <a:ext cx="0" cy="3515850"/>
+          </a:xfrm>
+          <a:prstGeom prst="line">
+            <a:avLst/>
+          </a:prstGeom>
+          <a:ln w="19050">
+            <a:solidFill>
+              <a:schemeClr val="tx1"/>
+            </a:solidFill>
+          </a:ln>
+        </p:spPr>
+        <p:style>
+          <a:lnRef idx="1">
+            <a:schemeClr val="accent1"/>
+          </a:lnRef>
+          <a:fillRef idx="0">
+            <a:schemeClr val="accent1"/>
+          </a:fillRef>
+          <a:effectRef idx="0">
+            <a:schemeClr val="accent1"/>
+          </a:effectRef>
+          <a:fontRef idx="minor">
+            <a:schemeClr val="tx1"/>
+          </a:fontRef>
+        </p:style>
+      </p:cxnSp>
     </p:spTree>
     <p:extLst>
       <p:ext uri="{BB962C8B-B14F-4D97-AF65-F5344CB8AC3E}">
